--- a/FILE TUGAS BESAR/R6_DAA_PRESENTATION.pptx
+++ b/FILE TUGAS BESAR/R6_DAA_PRESENTATION.pptx
@@ -33975,6 +33975,15 @@
 <file path=ppt/slides/slide8.xml><?xml version="1.0" encoding="utf-8"?>
 <p:sld xmlns:a="http://schemas.openxmlformats.org/drawingml/2006/main" xmlns:r="http://schemas.openxmlformats.org/officeDocument/2006/relationships" xmlns:p="http://schemas.openxmlformats.org/presentationml/2006/main">
   <p:cSld>
+    <p:bg>
+      <p:bgPr>
+        <a:blipFill>
+          <a:blip r:embed="rId2"/>
+          <a:stretch/>
+        </a:blipFill>
+        <a:effectLst/>
+      </p:bgPr>
+    </p:bg>
     <p:spTree>
       <p:nvGrpSpPr>
         <p:cNvPr id="1" name=""/>
@@ -34007,67 +34016,90 @@
         </p:nvSpPr>
         <p:spPr>
           <a:xfrm>
-            <a:off x="579269" y="147961"/>
-            <a:ext cx="10131425" cy="1456267"/>
+            <a:off x="7544107" y="1533526"/>
+            <a:ext cx="3706762" cy="4600574"/>
           </a:xfrm>
         </p:spPr>
         <p:txBody>
-          <a:bodyPr/>
+          <a:bodyPr>
+            <a:normAutofit/>
+          </a:bodyPr>
           <a:lstStyle/>
           <a:p>
             <a:r>
-              <a:rPr lang="en-US" dirty="0"/>
+              <a:rPr lang="en-US" sz="6000" dirty="0"/>
               <a:t>Graf </a:t>
             </a:r>
             <a:r>
-              <a:rPr lang="en-US" dirty="0" err="1"/>
+              <a:rPr lang="en-US" sz="6000" dirty="0" err="1"/>
               <a:t>Rute</a:t>
             </a:r>
             <a:r>
-              <a:rPr lang="en-US" dirty="0"/>
+              <a:rPr lang="en-US" sz="6000" dirty="0"/>
               <a:t> </a:t>
             </a:r>
             <a:r>
-              <a:rPr lang="en-US" dirty="0" err="1"/>
+              <a:rPr lang="en-US" sz="6000" dirty="0" err="1"/>
               <a:t>Wisata</a:t>
             </a:r>
-            <a:endParaRPr lang="en-ID" dirty="0"/>
+            <a:endParaRPr lang="en-ID" sz="6000" dirty="0"/>
           </a:p>
         </p:txBody>
       </p:sp>
       <p:pic>
         <p:nvPicPr>
-          <p:cNvPr id="5" name="Content Placeholder 4" descr="A close up of a map&#10;&#10;Description automatically generated">
+          <p:cNvPr id="6" name="image7.jpg">
             <a:extLst>
               <a:ext uri="{FF2B5EF4-FFF2-40B4-BE49-F238E27FC236}">
-                <a16:creationId xmlns:a16="http://schemas.microsoft.com/office/drawing/2014/main" id="{C6D33965-889C-4480-8523-18511055597E}"/>
+                <a16:creationId xmlns:a16="http://schemas.microsoft.com/office/drawing/2014/main" id="{9128ED3D-183E-4F94-8EB2-AAC76FC00749}"/>
               </a:ext>
             </a:extLst>
           </p:cNvPr>
-          <p:cNvPicPr>
-            <a:picLocks noGrp="1" noChangeAspect="1"/>
-          </p:cNvPicPr>
-          <p:nvPr>
-            <p:ph idx="1"/>
-          </p:nvPr>
+          <p:cNvPicPr/>
+          <p:nvPr/>
         </p:nvPicPr>
         <p:blipFill>
-          <a:blip r:embed="rId2">
-            <a:extLst>
-              <a:ext uri="{28A0092B-C50C-407E-A947-70E740481C1C}">
-                <a14:useLocalDpi xmlns:a14="http://schemas.microsoft.com/office/drawing/2010/main" val="0"/>
-              </a:ext>
-            </a:extLst>
-          </a:blip>
+          <a:blip r:embed="rId3"/>
           <a:stretch>
             <a:fillRect/>
           </a:stretch>
         </p:blipFill>
         <p:spPr>
           <a:xfrm>
-            <a:off x="3132434" y="1473346"/>
-            <a:ext cx="5506600" cy="4997587"/>
+            <a:off x="1018040" y="643463"/>
+            <a:ext cx="6148725" cy="5580356"/>
           </a:xfrm>
+          <a:prstGeom prst="roundRect">
+            <a:avLst>
+              <a:gd name="adj" fmla="val 4380"/>
+            </a:avLst>
+          </a:prstGeom>
+          <a:ln w="50800" cap="sq" cmpd="dbl">
+            <a:gradFill flip="none" rotWithShape="1">
+              <a:gsLst>
+                <a:gs pos="0">
+                  <a:srgbClr val="FFFFFF"/>
+                </a:gs>
+                <a:gs pos="100000">
+                  <a:schemeClr val="tx1">
+                    <a:alpha val="0"/>
+                  </a:schemeClr>
+                </a:gs>
+              </a:gsLst>
+              <a:path path="circle">
+                <a:fillToRect l="50000" t="50000" r="50000" b="50000"/>
+              </a:path>
+              <a:tileRect/>
+            </a:gradFill>
+            <a:miter lim="800000"/>
+          </a:ln>
+          <a:effectLst>
+            <a:outerShdw blurRad="254000" algn="tl" rotWithShape="0">
+              <a:srgbClr val="000000">
+                <a:alpha val="43000"/>
+              </a:srgbClr>
+            </a:outerShdw>
+          </a:effectLst>
         </p:spPr>
       </p:pic>
       <p:sp>
@@ -34086,16 +34118,16 @@
         </p:nvSpPr>
         <p:spPr>
           <a:xfrm>
-            <a:off x="9122842" y="6485859"/>
-            <a:ext cx="3679421" cy="744281"/>
+            <a:off x="7544107" y="6537836"/>
+            <a:ext cx="4647893" cy="320164"/>
           </a:xfrm>
           <a:prstGeom prst="rect">
             <a:avLst/>
           </a:prstGeom>
         </p:spPr>
         <p:txBody>
-          <a:bodyPr vert="horz" lIns="91440" tIns="45720" rIns="91440" bIns="45720" rtlCol="0" anchor="ctr">
-            <a:normAutofit fontScale="92500" lnSpcReduction="20000"/>
+          <a:bodyPr vert="horz" lIns="91440" tIns="45720" rIns="91440" bIns="45720" rtlCol="0">
+            <a:normAutofit fontScale="25000" lnSpcReduction="20000"/>
           </a:bodyPr>
           <a:lstStyle>
             <a:lvl1pPr marL="0" indent="0" algn="r" defTabSz="457200" rtl="0" eaLnBrk="1" latinLnBrk="0" hangingPunct="1">
@@ -34323,9 +34355,8 @@
             </a:lvl9pPr>
           </a:lstStyle>
           <a:p>
-            <a:pPr algn="l"/>
-            <a:r>
-              <a:rPr lang="en-ID" sz="1100" dirty="0">
+            <a:r>
+              <a:rPr lang="en-ID" sz="4000" dirty="0">
                 <a:latin typeface="Times New Roman" panose="02020603050405020304" pitchFamily="18" charset="0"/>
                 <a:cs typeface="Times New Roman" panose="02020603050405020304" pitchFamily="18" charset="0"/>
               </a:rPr>
@@ -34333,11 +34364,10 @@
             </a:r>
           </a:p>
           <a:p>
-            <a:pPr algn="l"/>
             <a:br>
-              <a:rPr lang="en-ID" sz="1700" dirty="0"/>
+              <a:rPr lang="en-ID" dirty="0"/>
             </a:br>
-            <a:endParaRPr lang="en-ID" sz="1700" dirty="0"/>
+            <a:endParaRPr lang="en-ID" dirty="0"/>
           </a:p>
         </p:txBody>
       </p:sp>
